--- a/statisticalconsulting.ttest(SH).pptx
+++ b/statisticalconsulting.ttest(SH).pptx
@@ -138,7 +138,7 @@
   <pc:docChgLst>
     <pc:chgData name="sean hastings" userId="8e22d1d6fb4f3faf" providerId="LiveId" clId="{BA07C630-FB60-458A-9D20-AD3382025849}"/>
     <pc:docChg chg="undo custSel addSld delSld modSld sldOrd addSection delSection modSection">
-      <pc:chgData name="sean hastings" userId="8e22d1d6fb4f3faf" providerId="LiveId" clId="{BA07C630-FB60-458A-9D20-AD3382025849}" dt="2022-07-27T18:07:31.222" v="2852" actId="20577"/>
+      <pc:chgData name="sean hastings" userId="8e22d1d6fb4f3faf" providerId="LiveId" clId="{BA07C630-FB60-458A-9D20-AD3382025849}" dt="2022-07-27T18:18:32.711" v="3046" actId="122"/>
       <pc:docMkLst>
         <pc:docMk/>
       </pc:docMkLst>
@@ -270,11 +270,19 @@
         </pc:picChg>
       </pc:sldChg>
       <pc:sldChg chg="addSp delSp modSp mod delDesignElem">
-        <pc:chgData name="sean hastings" userId="8e22d1d6fb4f3faf" providerId="LiveId" clId="{BA07C630-FB60-458A-9D20-AD3382025849}" dt="2022-07-26T19:17:23.902" v="2658" actId="255"/>
+        <pc:chgData name="sean hastings" userId="8e22d1d6fb4f3faf" providerId="LiveId" clId="{BA07C630-FB60-458A-9D20-AD3382025849}" dt="2022-07-27T18:17:44.353" v="3029" actId="122"/>
         <pc:sldMkLst>
           <pc:docMk/>
           <pc:sldMk cId="2453290950" sldId="257"/>
         </pc:sldMkLst>
+        <pc:spChg chg="mod">
+          <ac:chgData name="sean hastings" userId="8e22d1d6fb4f3faf" providerId="LiveId" clId="{BA07C630-FB60-458A-9D20-AD3382025849}" dt="2022-07-27T18:17:44.353" v="3029" actId="122"/>
+          <ac:spMkLst>
+            <pc:docMk/>
+            <pc:sldMk cId="2453290950" sldId="257"/>
+            <ac:spMk id="2" creationId="{63C69E62-E6A8-80EA-AD2C-348E2E0EA72F}"/>
+          </ac:spMkLst>
+        </pc:spChg>
         <pc:spChg chg="mod">
           <ac:chgData name="sean hastings" userId="8e22d1d6fb4f3faf" providerId="LiveId" clId="{BA07C630-FB60-458A-9D20-AD3382025849}" dt="2022-07-26T19:17:23.902" v="2658" actId="255"/>
           <ac:spMkLst>
@@ -420,13 +428,13 @@
         </pc:spChg>
       </pc:sldChg>
       <pc:sldChg chg="addSp delSp modSp mod delDesignElem">
-        <pc:chgData name="sean hastings" userId="8e22d1d6fb4f3faf" providerId="LiveId" clId="{BA07C630-FB60-458A-9D20-AD3382025849}" dt="2022-07-26T19:19:40.279" v="2676" actId="255"/>
+        <pc:chgData name="sean hastings" userId="8e22d1d6fb4f3faf" providerId="LiveId" clId="{BA07C630-FB60-458A-9D20-AD3382025849}" dt="2022-07-27T18:18:24.519" v="3044" actId="122"/>
         <pc:sldMkLst>
           <pc:docMk/>
           <pc:sldMk cId="2427578316" sldId="262"/>
         </pc:sldMkLst>
         <pc:spChg chg="mod">
-          <ac:chgData name="sean hastings" userId="8e22d1d6fb4f3faf" providerId="LiveId" clId="{BA07C630-FB60-458A-9D20-AD3382025849}" dt="2022-07-21T00:04:51.320" v="1289" actId="20577"/>
+          <ac:chgData name="sean hastings" userId="8e22d1d6fb4f3faf" providerId="LiveId" clId="{BA07C630-FB60-458A-9D20-AD3382025849}" dt="2022-07-27T18:18:24.519" v="3044" actId="122"/>
           <ac:spMkLst>
             <pc:docMk/>
             <pc:sldMk cId="2427578316" sldId="262"/>
@@ -499,13 +507,13 @@
         </pc:spChg>
       </pc:sldChg>
       <pc:sldChg chg="addSp delSp modSp mod ord delDesignElem">
-        <pc:chgData name="sean hastings" userId="8e22d1d6fb4f3faf" providerId="LiveId" clId="{BA07C630-FB60-458A-9D20-AD3382025849}" dt="2022-07-21T00:05:17.580" v="1294" actId="20577"/>
+        <pc:chgData name="sean hastings" userId="8e22d1d6fb4f3faf" providerId="LiveId" clId="{BA07C630-FB60-458A-9D20-AD3382025849}" dt="2022-07-27T18:18:32.711" v="3046" actId="122"/>
         <pc:sldMkLst>
           <pc:docMk/>
           <pc:sldMk cId="2330503150" sldId="263"/>
         </pc:sldMkLst>
         <pc:spChg chg="mod">
-          <ac:chgData name="sean hastings" userId="8e22d1d6fb4f3faf" providerId="LiveId" clId="{BA07C630-FB60-458A-9D20-AD3382025849}" dt="2022-07-21T00:05:17.580" v="1294" actId="20577"/>
+          <ac:chgData name="sean hastings" userId="8e22d1d6fb4f3faf" providerId="LiveId" clId="{BA07C630-FB60-458A-9D20-AD3382025849}" dt="2022-07-27T18:18:32.711" v="3046" actId="122"/>
           <ac:spMkLst>
             <pc:docMk/>
             <pc:sldMk cId="2330503150" sldId="263"/>
@@ -705,13 +713,13 @@
         </pc:picChg>
       </pc:sldChg>
       <pc:sldChg chg="addSp delSp modSp add mod delDesignElem">
-        <pc:chgData name="sean hastings" userId="8e22d1d6fb4f3faf" providerId="LiveId" clId="{BA07C630-FB60-458A-9D20-AD3382025849}" dt="2022-07-27T18:03:28.550" v="2793" actId="20577"/>
+        <pc:chgData name="sean hastings" userId="8e22d1d6fb4f3faf" providerId="LiveId" clId="{BA07C630-FB60-458A-9D20-AD3382025849}" dt="2022-07-27T18:16:31.653" v="3026" actId="27636"/>
         <pc:sldMkLst>
           <pc:docMk/>
           <pc:sldMk cId="169817345" sldId="265"/>
         </pc:sldMkLst>
         <pc:spChg chg="mod">
-          <ac:chgData name="sean hastings" userId="8e22d1d6fb4f3faf" providerId="LiveId" clId="{BA07C630-FB60-458A-9D20-AD3382025849}" dt="2022-07-27T18:03:28.550" v="2793" actId="20577"/>
+          <ac:chgData name="sean hastings" userId="8e22d1d6fb4f3faf" providerId="LiveId" clId="{BA07C630-FB60-458A-9D20-AD3382025849}" dt="2022-07-27T18:16:31.653" v="3026" actId="27636"/>
           <ac:spMkLst>
             <pc:docMk/>
             <pc:sldMk cId="169817345" sldId="265"/>
@@ -816,13 +824,13 @@
         </pc:picChg>
       </pc:sldChg>
       <pc:sldChg chg="addSp delSp modSp add mod">
-        <pc:chgData name="sean hastings" userId="8e22d1d6fb4f3faf" providerId="LiveId" clId="{BA07C630-FB60-458A-9D20-AD3382025849}" dt="2022-07-26T19:19:20.625" v="2675" actId="14100"/>
+        <pc:chgData name="sean hastings" userId="8e22d1d6fb4f3faf" providerId="LiveId" clId="{BA07C630-FB60-458A-9D20-AD3382025849}" dt="2022-07-27T18:13:24.654" v="2866" actId="20577"/>
         <pc:sldMkLst>
           <pc:docMk/>
           <pc:sldMk cId="260346150" sldId="266"/>
         </pc:sldMkLst>
         <pc:spChg chg="mod">
-          <ac:chgData name="sean hastings" userId="8e22d1d6fb4f3faf" providerId="LiveId" clId="{BA07C630-FB60-458A-9D20-AD3382025849}" dt="2022-07-21T22:08:07.242" v="1690" actId="122"/>
+          <ac:chgData name="sean hastings" userId="8e22d1d6fb4f3faf" providerId="LiveId" clId="{BA07C630-FB60-458A-9D20-AD3382025849}" dt="2022-07-27T18:13:24.654" v="2866" actId="20577"/>
           <ac:spMkLst>
             <pc:docMk/>
             <pc:sldMk cId="260346150" sldId="266"/>
@@ -855,13 +863,13 @@
         </pc:picChg>
       </pc:sldChg>
       <pc:sldChg chg="addSp delSp modSp add mod ord">
-        <pc:chgData name="sean hastings" userId="8e22d1d6fb4f3faf" providerId="LiveId" clId="{BA07C630-FB60-458A-9D20-AD3382025849}" dt="2022-07-26T18:56:49.679" v="2062" actId="14100"/>
+        <pc:chgData name="sean hastings" userId="8e22d1d6fb4f3faf" providerId="LiveId" clId="{BA07C630-FB60-458A-9D20-AD3382025849}" dt="2022-07-27T18:13:35.112" v="2868" actId="20577"/>
         <pc:sldMkLst>
           <pc:docMk/>
           <pc:sldMk cId="1835461459" sldId="267"/>
         </pc:sldMkLst>
         <pc:spChg chg="mod">
-          <ac:chgData name="sean hastings" userId="8e22d1d6fb4f3faf" providerId="LiveId" clId="{BA07C630-FB60-458A-9D20-AD3382025849}" dt="2022-07-21T22:08:15.462" v="1691" actId="122"/>
+          <ac:chgData name="sean hastings" userId="8e22d1d6fb4f3faf" providerId="LiveId" clId="{BA07C630-FB60-458A-9D20-AD3382025849}" dt="2022-07-27T18:13:35.112" v="2868" actId="20577"/>
           <ac:spMkLst>
             <pc:docMk/>
             <pc:sldMk cId="1835461459" sldId="267"/>
@@ -894,13 +902,13 @@
         </pc:picChg>
       </pc:sldChg>
       <pc:sldChg chg="modSp add mod">
-        <pc:chgData name="sean hastings" userId="8e22d1d6fb4f3faf" providerId="LiveId" clId="{BA07C630-FB60-458A-9D20-AD3382025849}" dt="2022-07-27T18:02:23.556" v="2724" actId="20577"/>
+        <pc:chgData name="sean hastings" userId="8e22d1d6fb4f3faf" providerId="LiveId" clId="{BA07C630-FB60-458A-9D20-AD3382025849}" dt="2022-07-27T18:14:53.107" v="2924" actId="20577"/>
         <pc:sldMkLst>
           <pc:docMk/>
           <pc:sldMk cId="2196030128" sldId="268"/>
         </pc:sldMkLst>
         <pc:spChg chg="mod">
-          <ac:chgData name="sean hastings" userId="8e22d1d6fb4f3faf" providerId="LiveId" clId="{BA07C630-FB60-458A-9D20-AD3382025849}" dt="2022-07-27T18:02:23.556" v="2724" actId="20577"/>
+          <ac:chgData name="sean hastings" userId="8e22d1d6fb4f3faf" providerId="LiveId" clId="{BA07C630-FB60-458A-9D20-AD3382025849}" dt="2022-07-27T18:14:53.107" v="2924" actId="20577"/>
           <ac:spMkLst>
             <pc:docMk/>
             <pc:sldMk cId="2196030128" sldId="268"/>
@@ -948,13 +956,13 @@
         </pc:picChg>
       </pc:sldChg>
       <pc:sldChg chg="addSp modSp add mod">
-        <pc:chgData name="sean hastings" userId="8e22d1d6fb4f3faf" providerId="LiveId" clId="{BA07C630-FB60-458A-9D20-AD3382025849}" dt="2022-07-21T22:24:53.858" v="1940" actId="207"/>
+        <pc:chgData name="sean hastings" userId="8e22d1d6fb4f3faf" providerId="LiveId" clId="{BA07C630-FB60-458A-9D20-AD3382025849}" dt="2022-07-27T18:14:00.719" v="2880" actId="20577"/>
         <pc:sldMkLst>
           <pc:docMk/>
           <pc:sldMk cId="3174982735" sldId="270"/>
         </pc:sldMkLst>
         <pc:spChg chg="mod">
-          <ac:chgData name="sean hastings" userId="8e22d1d6fb4f3faf" providerId="LiveId" clId="{BA07C630-FB60-458A-9D20-AD3382025849}" dt="2022-07-21T00:16:37.312" v="1515" actId="20577"/>
+          <ac:chgData name="sean hastings" userId="8e22d1d6fb4f3faf" providerId="LiveId" clId="{BA07C630-FB60-458A-9D20-AD3382025849}" dt="2022-07-27T18:14:00.719" v="2880" actId="20577"/>
           <ac:spMkLst>
             <pc:docMk/>
             <pc:sldMk cId="3174982735" sldId="270"/>
@@ -979,13 +987,13 @@
         </pc:graphicFrameChg>
       </pc:sldChg>
       <pc:sldChg chg="addSp delSp modSp add mod">
-        <pc:chgData name="sean hastings" userId="8e22d1d6fb4f3faf" providerId="LiveId" clId="{BA07C630-FB60-458A-9D20-AD3382025849}" dt="2022-07-27T18:02:59.373" v="2754" actId="20577"/>
+        <pc:chgData name="sean hastings" userId="8e22d1d6fb4f3faf" providerId="LiveId" clId="{BA07C630-FB60-458A-9D20-AD3382025849}" dt="2022-07-27T18:15:29.797" v="2959" actId="20577"/>
         <pc:sldMkLst>
           <pc:docMk/>
           <pc:sldMk cId="2009066097" sldId="271"/>
         </pc:sldMkLst>
         <pc:spChg chg="mod">
-          <ac:chgData name="sean hastings" userId="8e22d1d6fb4f3faf" providerId="LiveId" clId="{BA07C630-FB60-458A-9D20-AD3382025849}" dt="2022-07-27T18:02:59.373" v="2754" actId="20577"/>
+          <ac:chgData name="sean hastings" userId="8e22d1d6fb4f3faf" providerId="LiveId" clId="{BA07C630-FB60-458A-9D20-AD3382025849}" dt="2022-07-27T18:15:29.797" v="2959" actId="20577"/>
           <ac:spMkLst>
             <pc:docMk/>
             <pc:sldMk cId="2009066097" sldId="271"/>
@@ -1042,11 +1050,19 @@
         </pc:graphicFrameChg>
       </pc:sldChg>
       <pc:sldChg chg="addSp delSp modSp add mod">
-        <pc:chgData name="sean hastings" userId="8e22d1d6fb4f3faf" providerId="LiveId" clId="{BA07C630-FB60-458A-9D20-AD3382025849}" dt="2022-07-26T18:53:59.501" v="2005" actId="14100"/>
+        <pc:chgData name="sean hastings" userId="8e22d1d6fb4f3faf" providerId="LiveId" clId="{BA07C630-FB60-458A-9D20-AD3382025849}" dt="2022-07-27T18:14:33.984" v="2906" actId="20577"/>
         <pc:sldMkLst>
           <pc:docMk/>
           <pc:sldMk cId="879150219" sldId="272"/>
         </pc:sldMkLst>
+        <pc:spChg chg="mod">
+          <ac:chgData name="sean hastings" userId="8e22d1d6fb4f3faf" providerId="LiveId" clId="{BA07C630-FB60-458A-9D20-AD3382025849}" dt="2022-07-27T18:14:33.984" v="2906" actId="20577"/>
+          <ac:spMkLst>
+            <pc:docMk/>
+            <pc:sldMk cId="879150219" sldId="272"/>
+            <ac:spMk id="2" creationId="{63C69E62-E6A8-80EA-AD2C-348E2E0EA72F}"/>
+          </ac:spMkLst>
+        </pc:spChg>
         <pc:spChg chg="del mod">
           <ac:chgData name="sean hastings" userId="8e22d1d6fb4f3faf" providerId="LiveId" clId="{BA07C630-FB60-458A-9D20-AD3382025849}" dt="2022-07-26T18:48:34.201" v="1968"/>
           <ac:spMkLst>
@@ -1121,7 +1137,7 @@
         </pc:picChg>
       </pc:sldChg>
       <pc:sldChg chg="delSp modSp add mod">
-        <pc:chgData name="sean hastings" userId="8e22d1d6fb4f3faf" providerId="LiveId" clId="{BA07C630-FB60-458A-9D20-AD3382025849}" dt="2022-07-27T18:07:31.222" v="2852" actId="20577"/>
+        <pc:chgData name="sean hastings" userId="8e22d1d6fb4f3faf" providerId="LiveId" clId="{BA07C630-FB60-458A-9D20-AD3382025849}" dt="2022-07-27T18:16:43.523" v="3027" actId="20577"/>
         <pc:sldMkLst>
           <pc:docMk/>
           <pc:sldMk cId="4115939535" sldId="273"/>
@@ -1135,7 +1151,7 @@
           </ac:spMkLst>
         </pc:spChg>
         <pc:spChg chg="mod">
-          <ac:chgData name="sean hastings" userId="8e22d1d6fb4f3faf" providerId="LiveId" clId="{BA07C630-FB60-458A-9D20-AD3382025849}" dt="2022-07-27T18:07:31.222" v="2852" actId="20577"/>
+          <ac:chgData name="sean hastings" userId="8e22d1d6fb4f3faf" providerId="LiveId" clId="{BA07C630-FB60-458A-9D20-AD3382025849}" dt="2022-07-27T18:16:43.523" v="3027" actId="20577"/>
           <ac:spMkLst>
             <pc:docMk/>
             <pc:sldMk cId="4115939535" sldId="273"/>
@@ -10676,7 +10692,7 @@
         </p:nvSpPr>
         <p:spPr>
           <a:xfrm>
-            <a:off x="466722" y="586855"/>
+            <a:off x="418225" y="968518"/>
             <a:ext cx="3201366" cy="3387497"/>
           </a:xfrm>
         </p:spPr>
@@ -10686,7 +10702,7 @@
           </a:bodyPr>
           <a:lstStyle/>
           <a:p>
-            <a:pPr algn="r"/>
+            <a:pPr algn="ctr"/>
             <a:r>
               <a:rPr lang="en-US" sz="4000" dirty="0">
                 <a:solidFill>
@@ -11436,7 +11452,7 @@
         </p:spPr>
         <p:txBody>
           <a:bodyPr anchor="b">
-            <a:normAutofit fontScale="90000"/>
+            <a:normAutofit/>
           </a:bodyPr>
           <a:lstStyle/>
           <a:p>
@@ -11499,22 +11515,7 @@
                   <a:srgbClr val="FFFFFF"/>
                 </a:solidFill>
               </a:rPr>
-              <a:t>Super-charger:</a:t>
-            </a:r>
-            <a:br>
-              <a:rPr lang="en-US" sz="4000" dirty="0">
-                <a:solidFill>
-                  <a:srgbClr val="FFFFFF"/>
-                </a:solidFill>
-              </a:rPr>
-            </a:br>
-            <a:r>
-              <a:rPr lang="en-US" sz="4000" dirty="0">
-                <a:solidFill>
-                  <a:srgbClr val="FFFFFF"/>
-                </a:solidFill>
-              </a:rPr>
-              <a:t>Comparing Means</a:t>
+              <a:t>Super-charger</a:t>
             </a:r>
             <a:br>
               <a:rPr lang="en-US" sz="4000" dirty="0">
@@ -13289,7 +13290,7 @@
                   <a:srgbClr val="FFFFFF"/>
                 </a:solidFill>
               </a:rPr>
-              <a:t>Results</a:t>
+              <a:t>(Results)</a:t>
             </a:r>
           </a:p>
         </p:txBody>
@@ -14139,7 +14140,22 @@
                   <a:srgbClr val="FFFFFF"/>
                 </a:solidFill>
               </a:rPr>
-              <a:t>Results</a:t>
+              <a:t>(Results)</a:t>
+            </a:r>
+            <a:br>
+              <a:rPr lang="en-US" sz="4000" dirty="0">
+                <a:solidFill>
+                  <a:srgbClr val="FFFFFF"/>
+                </a:solidFill>
+              </a:rPr>
+            </a:br>
+            <a:r>
+              <a:rPr lang="en-US" sz="4000" dirty="0">
+                <a:solidFill>
+                  <a:srgbClr val="FFFFFF"/>
+                </a:solidFill>
+              </a:rPr>
+              <a:t>Comparing Means: T vs S</a:t>
             </a:r>
           </a:p>
         </p:txBody>
@@ -15301,23 +15317,8 @@
                 </a:solidFill>
                 <a:latin typeface="Cambria Math" panose="02040503050406030204" pitchFamily="18" charset="0"/>
               </a:rPr>
-              <a:t>Buying a model year after 2000, will save you between $130.00 and $240.00              (5 years) vs. </a:t>
+              <a:t>Buying a model year after 2000, will save you between $130.00 and $240.00              (5 years) vs. before 2000.</a:t>
             </a:r>
-            <a:r>
-              <a:rPr lang="en-US" sz="3600">
-                <a:solidFill>
-                  <a:schemeClr val="tx1"/>
-                </a:solidFill>
-                <a:latin typeface="Cambria Math" panose="02040503050406030204" pitchFamily="18" charset="0"/>
-              </a:rPr>
-              <a:t>before 2000</a:t>
-            </a:r>
-            <a:endParaRPr lang="en-US" sz="3600" dirty="0">
-              <a:solidFill>
-                <a:schemeClr val="tx1"/>
-              </a:solidFill>
-              <a:latin typeface="Cambria Math" panose="02040503050406030204" pitchFamily="18" charset="0"/>
-            </a:endParaRPr>
           </a:p>
           <a:p>
             <a:pPr marL="514350" indent="-514350">
@@ -17909,7 +17910,7 @@
                   <a:srgbClr val="FFFFFF"/>
                 </a:solidFill>
               </a:rPr>
-              <a:t>Results</a:t>
+              <a:t>(Results)</a:t>
             </a:r>
             <a:br>
               <a:rPr lang="en-US" sz="4000" dirty="0">
@@ -18893,7 +18894,7 @@
                   <a:srgbClr val="FFFFFF"/>
                 </a:solidFill>
               </a:rPr>
-              <a:t>Save or Spend:</a:t>
+              <a:t>(Results)</a:t>
             </a:r>
             <a:br>
               <a:rPr lang="en-US" sz="4000" dirty="0">
@@ -18908,7 +18909,22 @@
                   <a:srgbClr val="FFFFFF"/>
                 </a:solidFill>
               </a:rPr>
-              <a:t>Comparing Means</a:t>
+              <a:t>Comparing Means :</a:t>
+            </a:r>
+            <a:br>
+              <a:rPr lang="en-US" sz="4000" dirty="0">
+                <a:solidFill>
+                  <a:srgbClr val="FFFFFF"/>
+                </a:solidFill>
+              </a:rPr>
+            </a:br>
+            <a:r>
+              <a:rPr lang="en-US" sz="4000" dirty="0">
+                <a:solidFill>
+                  <a:srgbClr val="FFFFFF"/>
+                </a:solidFill>
+              </a:rPr>
+              <a:t>Newer vs. Older</a:t>
             </a:r>
           </a:p>
         </p:txBody>
@@ -20399,7 +20415,7 @@
           </a:bodyPr>
           <a:lstStyle/>
           <a:p>
-            <a:pPr algn="r"/>
+            <a:pPr algn="ctr"/>
             <a:r>
               <a:rPr lang="en-US" sz="4000" dirty="0">
                 <a:solidFill>
@@ -20407,6 +20423,21 @@
                 </a:solidFill>
               </a:rPr>
               <a:t>Hypothesis # 2</a:t>
+            </a:r>
+            <a:br>
+              <a:rPr lang="en-US" sz="4000" dirty="0">
+                <a:solidFill>
+                  <a:srgbClr val="FFFFFF"/>
+                </a:solidFill>
+              </a:rPr>
+            </a:br>
+            <a:r>
+              <a:rPr lang="en-US" sz="4000" dirty="0">
+                <a:solidFill>
+                  <a:srgbClr val="FFFFFF"/>
+                </a:solidFill>
+              </a:rPr>
+              <a:t>2WD vs. 4WD</a:t>
             </a:r>
           </a:p>
         </p:txBody>
@@ -21390,7 +21421,7 @@
         </p:nvSpPr>
         <p:spPr>
           <a:xfrm>
-            <a:off x="466722" y="586855"/>
+            <a:off x="466722" y="558720"/>
             <a:ext cx="3201366" cy="3387497"/>
           </a:xfrm>
         </p:spPr>
@@ -21400,7 +21431,7 @@
           </a:bodyPr>
           <a:lstStyle/>
           <a:p>
-            <a:pPr algn="r"/>
+            <a:pPr algn="ctr"/>
             <a:r>
               <a:rPr lang="en-US" sz="4000" dirty="0">
                 <a:solidFill>
@@ -22169,7 +22200,7 @@
                   <a:srgbClr val="FFFFFF"/>
                 </a:solidFill>
               </a:rPr>
-              <a:t>Results</a:t>
+              <a:t>(Results)</a:t>
             </a:r>
           </a:p>
         </p:txBody>
@@ -23011,7 +23042,7 @@
                   <a:srgbClr val="FFFFFF"/>
                 </a:solidFill>
               </a:rPr>
-              <a:t>2WD vs. 4WD:</a:t>
+              <a:t>(Results)</a:t>
             </a:r>
             <a:br>
               <a:rPr lang="en-US" sz="4000" dirty="0">
@@ -23026,7 +23057,22 @@
                   <a:srgbClr val="FFFFFF"/>
                 </a:solidFill>
               </a:rPr>
-              <a:t>Comparing Means</a:t>
+              <a:t>Comparing Means :</a:t>
+            </a:r>
+            <a:br>
+              <a:rPr lang="en-US" sz="4000" dirty="0">
+                <a:solidFill>
+                  <a:srgbClr val="FFFFFF"/>
+                </a:solidFill>
+              </a:rPr>
+            </a:br>
+            <a:r>
+              <a:rPr lang="en-US" sz="4000" dirty="0">
+                <a:solidFill>
+                  <a:srgbClr val="FFFFFF"/>
+                </a:solidFill>
+              </a:rPr>
+              <a:t>2WD vs. 4WD</a:t>
             </a:r>
           </a:p>
         </p:txBody>
